--- a/Elemantal Clash PowerPoint.pptx
+++ b/Elemantal Clash PowerPoint.pptx
@@ -117,6 +117,11 @@
       </a:defRPr>
     </a:lvl9pPr>
   </p:defaultTextStyle>
+  <p:extLst>
+    <p:ext uri="{EFAFB233-063F-42B5-8137-9DF3F51BA10A}">
+      <p15:sldGuideLst xmlns:p15="http://schemas.microsoft.com/office/powerpoint/2012/main"/>
+    </p:ext>
+  </p:extLst>
 </p:presentation>
 </file>
 
@@ -6688,8 +6693,20 @@
               <a:t>Script préféré de Pierre-Luc : </a:t>
             </a:r>
             <a:r>
+              <a:rPr lang="fr-CA" dirty="0" err="1" smtClean="0"/>
+              <a:t>AudioForCharacter</a:t>
+            </a:r>
+            <a:r>
+              <a:rPr lang="fr-CA" dirty="0"/>
+              <a:t> </a:t>
+            </a:r>
+            <a:r>
+              <a:rPr lang="fr-CA" dirty="0" smtClean="0"/>
+              <a:t>: Gère les sons utilisés dans le jeux de </a:t>
+            </a:r>
+            <a:r>
               <a:rPr lang="fr-CA" smtClean="0"/>
-              <a:t>AudioForCharacter</a:t>
+              <a:t>manière aléatoire.</a:t>
             </a:r>
             <a:endParaRPr lang="fr-CA" dirty="0" smtClean="0"/>
           </a:p>
@@ -7742,8 +7759,15 @@
           <a:p>
             <a:r>
               <a:rPr lang="fr-CA" dirty="0" smtClean="0"/>
-              <a:t>Création d’un nouveau effet pour le nouveau personnage</a:t>
-            </a:r>
+              <a:t>Création d’un nouveau effet pour </a:t>
+            </a:r>
+            <a:r>
+              <a:rPr lang="fr-CA" dirty="0" smtClean="0"/>
+              <a:t>le prochain personnage.</a:t>
+            </a:r>
+          </a:p>
+          <a:p>
+            <a:endParaRPr lang="fr-CA" dirty="0" smtClean="0"/>
           </a:p>
         </p:txBody>
       </p:sp>

--- a/Elemantal Clash PowerPoint.pptx
+++ b/Elemantal Clash PowerPoint.pptx
@@ -16,9 +16,12 @@
     <p:sldId id="264" r:id="rId10"/>
     <p:sldId id="265" r:id="rId11"/>
     <p:sldId id="266" r:id="rId12"/>
-    <p:sldId id="259" r:id="rId13"/>
-    <p:sldId id="261" r:id="rId14"/>
-    <p:sldId id="269" r:id="rId15"/>
+    <p:sldId id="271" r:id="rId13"/>
+    <p:sldId id="272" r:id="rId14"/>
+    <p:sldId id="259" r:id="rId15"/>
+    <p:sldId id="261" r:id="rId16"/>
+    <p:sldId id="269" r:id="rId17"/>
+    <p:sldId id="270" r:id="rId18"/>
   </p:sldIdLst>
   <p:sldSz cx="12192000" cy="6858000"/>
   <p:notesSz cx="6858000" cy="9144000"/>
@@ -5925,47 +5928,6 @@
               <a:t>Sprint 3 : Etienne : </a:t>
             </a:r>
           </a:p>
-          <a:p>
-            <a:r>
-              <a:rPr lang="fr-CA" dirty="0" smtClean="0"/>
-              <a:t>L’utilisation des ponts de la mana (pouvoir)</a:t>
-            </a:r>
-          </a:p>
-          <a:p>
-            <a:pPr marL="0" indent="0">
-              <a:buNone/>
-            </a:pPr>
-            <a:r>
-              <a:rPr lang="fr-CA" dirty="0"/>
-              <a:t>	</a:t>
-            </a:r>
-            <a:r>
-              <a:rPr lang="fr-CA" dirty="0" smtClean="0"/>
-              <a:t>En résumé, quand on lance un sort la ligne devrait rapetisser et si on 	avait pas assez de mana, alors le tire ne devrait pas avoir lieu.</a:t>
-            </a:r>
-          </a:p>
-          <a:p>
-            <a:r>
-              <a:rPr lang="fr-CA" dirty="0" smtClean="0"/>
-              <a:t>L’utilisation de la point de vie</a:t>
-            </a:r>
-          </a:p>
-          <a:p>
-            <a:pPr marL="457200" lvl="1" indent="0">
-              <a:buNone/>
-            </a:pPr>
-            <a:r>
-              <a:rPr lang="fr-CA" dirty="0" smtClean="0"/>
-              <a:t>Quand un projectile touche un joueur, les vies doivent descendre pour tuer l’autre joueur.</a:t>
-            </a:r>
-            <a:endParaRPr lang="fr-CA" dirty="0"/>
-          </a:p>
-          <a:p>
-            <a:r>
-              <a:rPr lang="fr-CA" dirty="0" smtClean="0"/>
-              <a:t>Création d’un nouveau effet pour le nouveau personnage</a:t>
-            </a:r>
-          </a:p>
         </p:txBody>
       </p:sp>
       <p:sp>
@@ -6176,7 +6138,57 @@
       </p:grpSpPr>
       <p:sp>
         <p:nvSpPr>
-          <p:cNvPr id="2" name="Titre 1"/>
+          <p:cNvPr id="3" name="Espace réservé du contenu 2"/>
+          <p:cNvSpPr>
+            <a:spLocks noGrp="1"/>
+          </p:cNvSpPr>
+          <p:nvPr>
+            <p:ph idx="1"/>
+          </p:nvPr>
+        </p:nvSpPr>
+        <p:spPr/>
+        <p:txBody>
+          <a:bodyPr/>
+          <a:lstStyle/>
+          <a:p>
+            <a:r>
+              <a:rPr lang="fr-CA" dirty="0" smtClean="0"/>
+              <a:t>Techniques de développement : Utilisation des branches pour chaque story : Chaque membre </a:t>
+            </a:r>
+            <a:r>
+              <a:rPr lang="fr-CA" dirty="0" smtClean="0"/>
+              <a:t>de l’équipe à utiliser une branche différente pour chaque parti : </a:t>
+            </a:r>
+            <a:r>
+              <a:rPr lang="fr-CA" dirty="0" smtClean="0"/>
+              <a:t>exemple branche pour le son, arme et barre de vie,</a:t>
+            </a:r>
+          </a:p>
+          <a:p>
+            <a:r>
+              <a:rPr lang="fr-CA" dirty="0" smtClean="0"/>
+              <a:t>Sur ce fait, on utilisait des scènes différentes pour nos test. </a:t>
+            </a:r>
+          </a:p>
+          <a:p>
+            <a:r>
+              <a:rPr lang="fr-CA" dirty="0" smtClean="0"/>
+              <a:t>Pair </a:t>
+            </a:r>
+            <a:r>
+              <a:rPr lang="fr-CA" dirty="0" err="1" smtClean="0"/>
+              <a:t>Programming</a:t>
+            </a:r>
+            <a:r>
+              <a:rPr lang="fr-CA" dirty="0" smtClean="0"/>
+              <a:t> : Souvent seule mais entraide quand nécessaire.</a:t>
+            </a:r>
+          </a:p>
+        </p:txBody>
+      </p:sp>
+      <p:sp>
+        <p:nvSpPr>
+          <p:cNvPr id="4" name="Titre 1"/>
           <p:cNvSpPr>
             <a:spLocks noGrp="1"/>
           </p:cNvSpPr>
@@ -6186,243 +6198,18 @@
         </p:nvSpPr>
         <p:spPr>
           <a:xfrm>
-            <a:off x="3374967" y="623057"/>
-            <a:ext cx="5442065" cy="1293028"/>
-          </a:xfrm>
-        </p:spPr>
-        <p:txBody>
-          <a:bodyPr/>
-          <a:lstStyle/>
-          <a:p>
-            <a:pPr algn="l"/>
-            <a:r>
-              <a:rPr lang="fr-CA" dirty="0" smtClean="0"/>
-              <a:t>Ressources du jeu</a:t>
-            </a:r>
-            <a:endParaRPr lang="fr-CA" dirty="0"/>
-          </a:p>
-        </p:txBody>
-      </p:sp>
-      <p:sp>
-        <p:nvSpPr>
-          <p:cNvPr id="3" name="Espace réservé du contenu 2"/>
-          <p:cNvSpPr>
-            <a:spLocks noGrp="1"/>
-          </p:cNvSpPr>
-          <p:nvPr>
-            <p:ph idx="1"/>
-          </p:nvPr>
-        </p:nvSpPr>
-        <p:spPr/>
-        <p:txBody>
-          <a:bodyPr/>
-          <a:lstStyle/>
-          <a:p>
-            <a:r>
-              <a:rPr lang="fr-CA" dirty="0" smtClean="0"/>
-              <a:t>Barre de vie : </a:t>
-            </a:r>
-            <a:r>
-              <a:rPr lang="en-US" cap="all" dirty="0">
-                <a:hlinkClick r:id="rId2"/>
-              </a:rPr>
-              <a:t>TANK &amp; HEALER </a:t>
-            </a:r>
-            <a:r>
-              <a:rPr lang="en-US" cap="all" dirty="0" smtClean="0">
-                <a:hlinkClick r:id="rId2"/>
-              </a:rPr>
-              <a:t>STUDIO</a:t>
-            </a:r>
-            <a:r>
-              <a:rPr lang="en-US" cap="all" dirty="0" smtClean="0"/>
-              <a:t> </a:t>
-            </a:r>
-            <a:r>
-              <a:rPr lang="en-US" dirty="0" smtClean="0"/>
-              <a:t>Simple </a:t>
-            </a:r>
-            <a:r>
-              <a:rPr lang="en-US" dirty="0"/>
-              <a:t>Health Bar FREE</a:t>
-            </a:r>
-          </a:p>
-          <a:p>
-            <a:r>
-              <a:rPr lang="fr-CA" dirty="0" smtClean="0"/>
-              <a:t>HUD : Police : </a:t>
-            </a:r>
-            <a:r>
-              <a:rPr lang="fr-CA" dirty="0"/>
-              <a:t>Crimes of </a:t>
-            </a:r>
-            <a:r>
-              <a:rPr lang="fr-CA" dirty="0" smtClean="0"/>
-              <a:t>Grindelwald, </a:t>
-            </a:r>
-            <a:r>
-              <a:rPr lang="en-US" dirty="0"/>
-              <a:t>The Wild Breath of </a:t>
-            </a:r>
-            <a:r>
-              <a:rPr lang="en-US" dirty="0" smtClean="0"/>
-              <a:t>Zelda.</a:t>
-            </a:r>
-          </a:p>
-          <a:p>
-            <a:r>
-              <a:rPr lang="en-US" dirty="0" smtClean="0"/>
-              <a:t>Image des </a:t>
-            </a:r>
-            <a:r>
-              <a:rPr lang="fr-CA" dirty="0" smtClean="0"/>
-              <a:t>objets</a:t>
-            </a:r>
-            <a:r>
-              <a:rPr lang="en-US" dirty="0" smtClean="0"/>
-              <a:t> et personage : </a:t>
-            </a:r>
-            <a:r>
-              <a:rPr lang="en-US" dirty="0">
-                <a:hlinkClick r:id="rId3"/>
-              </a:rPr>
-              <a:t>https://www.spriters-resource.com</a:t>
-            </a:r>
-            <a:r>
-              <a:rPr lang="en-US" dirty="0" smtClean="0">
-                <a:hlinkClick r:id="rId3"/>
-              </a:rPr>
-              <a:t>/</a:t>
-            </a:r>
-            <a:endParaRPr lang="en-US" dirty="0" smtClean="0"/>
-          </a:p>
-          <a:p>
-            <a:r>
-              <a:rPr lang="en-US" dirty="0"/>
-              <a:t>Audio : </a:t>
-            </a:r>
-            <a:r>
-              <a:rPr lang="en-US" dirty="0">
-                <a:hlinkClick r:id="rId4"/>
-              </a:rPr>
-              <a:t>https://www.sounds-resource.com</a:t>
-            </a:r>
-            <a:r>
-              <a:rPr lang="en-US" dirty="0" smtClean="0">
-                <a:hlinkClick r:id="rId4"/>
-              </a:rPr>
-              <a:t>/</a:t>
-            </a:r>
-            <a:r>
-              <a:rPr lang="en-US" dirty="0" smtClean="0"/>
-              <a:t>, Game </a:t>
-            </a:r>
-            <a:r>
-              <a:rPr lang="en-US" dirty="0"/>
-              <a:t>of Thrones - Main Titles - </a:t>
-            </a:r>
-            <a:r>
-              <a:rPr lang="en-US" dirty="0" err="1"/>
-              <a:t>Ramin</a:t>
-            </a:r>
-            <a:r>
-              <a:rPr lang="en-US" dirty="0"/>
-              <a:t> </a:t>
-            </a:r>
-            <a:r>
-              <a:rPr lang="en-US" dirty="0" err="1"/>
-              <a:t>Djawadi</a:t>
-            </a:r>
-            <a:r>
-              <a:rPr lang="en-US" dirty="0"/>
-              <a:t> (Season 7 Soundtrack) [official</a:t>
-            </a:r>
-            <a:r>
-              <a:rPr lang="en-US" dirty="0" smtClean="0"/>
-              <a:t>]</a:t>
-            </a:r>
-          </a:p>
-          <a:p>
-            <a:r>
-              <a:rPr lang="fr-CA" dirty="0" smtClean="0"/>
-              <a:t>Toutes</a:t>
-            </a:r>
-            <a:r>
-              <a:rPr lang="en-US" dirty="0" smtClean="0"/>
-              <a:t> les </a:t>
-            </a:r>
-            <a:r>
-              <a:rPr lang="en-US" dirty="0" err="1" smtClean="0"/>
-              <a:t>ressources</a:t>
-            </a:r>
-            <a:r>
-              <a:rPr lang="en-US" dirty="0" smtClean="0"/>
-              <a:t> </a:t>
-            </a:r>
-            <a:r>
-              <a:rPr lang="en-US" dirty="0" err="1" smtClean="0"/>
-              <a:t>ont</a:t>
-            </a:r>
-            <a:r>
-              <a:rPr lang="en-US" dirty="0" smtClean="0"/>
-              <a:t> </a:t>
-            </a:r>
-            <a:r>
-              <a:rPr lang="en-US" dirty="0" err="1" smtClean="0"/>
-              <a:t>été</a:t>
-            </a:r>
-            <a:r>
-              <a:rPr lang="en-US" dirty="0" smtClean="0"/>
-              <a:t> </a:t>
-            </a:r>
-            <a:r>
-              <a:rPr lang="en-US" dirty="0" err="1" smtClean="0"/>
-              <a:t>prises</a:t>
-            </a:r>
-            <a:r>
-              <a:rPr lang="en-US" dirty="0" smtClean="0"/>
-              <a:t> sur internet, </a:t>
-            </a:r>
-            <a:r>
-              <a:rPr lang="fr-CA" dirty="0" smtClean="0"/>
-              <a:t>aucune</a:t>
-            </a:r>
-            <a:r>
-              <a:rPr lang="en-US" dirty="0" smtClean="0"/>
-              <a:t> resources a </a:t>
-            </a:r>
-            <a:r>
-              <a:rPr lang="en-US" dirty="0" err="1" smtClean="0"/>
-              <a:t>été</a:t>
-            </a:r>
-            <a:r>
-              <a:rPr lang="en-US" dirty="0" smtClean="0"/>
-              <a:t> </a:t>
-            </a:r>
-            <a:r>
-              <a:rPr lang="en-US" dirty="0" err="1" smtClean="0"/>
-              <a:t>crée</a:t>
-            </a:r>
-            <a:r>
-              <a:rPr lang="en-US" dirty="0" smtClean="0"/>
-              <a:t> </a:t>
-            </a:r>
-            <a:r>
-              <a:rPr lang="en-US" dirty="0" err="1" smtClean="0"/>
-              <a:t>manuellement</a:t>
-            </a:r>
-            <a:r>
-              <a:rPr lang="en-US" dirty="0" smtClean="0"/>
-              <a:t>.</a:t>
-            </a:r>
-          </a:p>
-          <a:p>
-            <a:endParaRPr lang="en-US" dirty="0" smtClean="0"/>
-          </a:p>
-          <a:p>
-            <a:endParaRPr lang="en-US" dirty="0" smtClean="0"/>
-          </a:p>
-          <a:p>
+            <a:off x="-302029" y="614743"/>
+            <a:ext cx="12377651" cy="1293028"/>
+          </a:xfrm>
+        </p:spPr>
+        <p:txBody>
+          <a:bodyPr/>
+          <a:lstStyle/>
+          <a:p>
+            <a:r>
+              <a:rPr lang="fr-CA" dirty="0" smtClean="0"/>
+              <a:t>Présentation et histoire de développement</a:t>
+            </a:r>
             <a:endParaRPr lang="fr-CA" dirty="0"/>
           </a:p>
         </p:txBody>
@@ -6430,7 +6217,7 @@
     </p:spTree>
     <p:extLst>
       <p:ext uri="{BB962C8B-B14F-4D97-AF65-F5344CB8AC3E}">
-        <p14:creationId xmlns:p14="http://schemas.microsoft.com/office/powerpoint/2010/main" val="2150321151"/>
+        <p14:creationId xmlns:p14="http://schemas.microsoft.com/office/powerpoint/2010/main" val="1746578284"/>
       </p:ext>
     </p:extLst>
   </p:cSld>
@@ -6466,7 +6253,57 @@
       </p:grpSpPr>
       <p:sp>
         <p:nvSpPr>
-          <p:cNvPr id="2" name="Titre 1"/>
+          <p:cNvPr id="3" name="Espace réservé du contenu 2"/>
+          <p:cNvSpPr>
+            <a:spLocks noGrp="1"/>
+          </p:cNvSpPr>
+          <p:nvPr>
+            <p:ph idx="1"/>
+          </p:nvPr>
+        </p:nvSpPr>
+        <p:spPr/>
+        <p:txBody>
+          <a:bodyPr/>
+          <a:lstStyle/>
+          <a:p>
+            <a:r>
+              <a:rPr lang="fr-CA" dirty="0" smtClean="0"/>
+              <a:t>Difficulté personnelle : </a:t>
+            </a:r>
+          </a:p>
+          <a:p>
+            <a:pPr lvl="1"/>
+            <a:r>
+              <a:rPr lang="fr-CA" dirty="0" smtClean="0"/>
+              <a:t>Yohan : Ajout d’objet dans la scène.</a:t>
+            </a:r>
+          </a:p>
+          <a:p>
+            <a:pPr lvl="1"/>
+            <a:r>
+              <a:rPr lang="fr-CA" dirty="0" smtClean="0"/>
+              <a:t>Marco : </a:t>
+            </a:r>
+          </a:p>
+          <a:p>
+            <a:pPr lvl="1"/>
+            <a:r>
+              <a:rPr lang="fr-CA" dirty="0" smtClean="0"/>
+              <a:t>Pierre-Luc :</a:t>
+            </a:r>
+          </a:p>
+          <a:p>
+            <a:pPr lvl="1"/>
+            <a:r>
+              <a:rPr lang="fr-CA" dirty="0" smtClean="0"/>
+              <a:t>Etienne : </a:t>
+            </a:r>
+          </a:p>
+        </p:txBody>
+      </p:sp>
+      <p:sp>
+        <p:nvSpPr>
+          <p:cNvPr id="4" name="Titre 1"/>
           <p:cNvSpPr>
             <a:spLocks noGrp="1"/>
           </p:cNvSpPr>
@@ -6476,117 +6313,26 @@
         </p:nvSpPr>
         <p:spPr>
           <a:xfrm>
-            <a:off x="1790700" y="731122"/>
-            <a:ext cx="8610600" cy="1293028"/>
-          </a:xfrm>
-        </p:spPr>
-        <p:txBody>
-          <a:bodyPr/>
-          <a:lstStyle/>
-          <a:p>
-            <a:pPr algn="ctr"/>
-            <a:r>
-              <a:rPr lang="fr-CA" dirty="0" err="1" smtClean="0"/>
-              <a:t>Assets</a:t>
+            <a:off x="-302029" y="614743"/>
+            <a:ext cx="12377651" cy="1293028"/>
+          </a:xfrm>
+        </p:spPr>
+        <p:txBody>
+          <a:bodyPr/>
+          <a:lstStyle/>
+          <a:p>
+            <a:r>
+              <a:rPr lang="fr-CA" dirty="0" smtClean="0"/>
+              <a:t>Présentation et histoire de développement</a:t>
             </a:r>
             <a:endParaRPr lang="fr-CA" dirty="0"/>
-          </a:p>
-        </p:txBody>
-      </p:sp>
-      <p:sp>
-        <p:nvSpPr>
-          <p:cNvPr id="3" name="Espace réservé du contenu 2"/>
-          <p:cNvSpPr>
-            <a:spLocks noGrp="1"/>
-          </p:cNvSpPr>
-          <p:nvPr>
-            <p:ph idx="1"/>
-          </p:nvPr>
-        </p:nvSpPr>
-        <p:spPr/>
-        <p:txBody>
-          <a:bodyPr/>
-          <a:lstStyle/>
-          <a:p>
-            <a:r>
-              <a:rPr lang="fr-CA" dirty="0" smtClean="0"/>
-              <a:t>Dossier Armes : </a:t>
-            </a:r>
-            <a:r>
-              <a:rPr lang="fr-CA" dirty="0" err="1" smtClean="0"/>
-              <a:t>Sprites</a:t>
-            </a:r>
-            <a:r>
-              <a:rPr lang="fr-CA" dirty="0" smtClean="0"/>
-              <a:t> des effets des armes.</a:t>
-            </a:r>
-          </a:p>
-          <a:p>
-            <a:r>
-              <a:rPr lang="fr-CA" dirty="0" smtClean="0"/>
-              <a:t>Dossier </a:t>
-            </a:r>
-            <a:r>
-              <a:rPr lang="fr-CA" dirty="0" err="1" smtClean="0"/>
-              <a:t>Health</a:t>
-            </a:r>
-            <a:r>
-              <a:rPr lang="fr-CA" dirty="0" smtClean="0"/>
-              <a:t> bar : Contient la barre de vie et le script des </a:t>
-            </a:r>
-            <a:r>
-              <a:rPr lang="fr-CA" dirty="0" err="1" smtClean="0"/>
-              <a:t>asset</a:t>
-            </a:r>
-            <a:r>
-              <a:rPr lang="fr-CA" dirty="0" smtClean="0"/>
-              <a:t> téléchargé sur la boutique de </a:t>
-            </a:r>
-            <a:r>
-              <a:rPr lang="fr-CA" dirty="0" err="1" smtClean="0"/>
-              <a:t>unity</a:t>
-            </a:r>
-            <a:r>
-              <a:rPr lang="fr-CA" dirty="0" smtClean="0"/>
-              <a:t>,</a:t>
-            </a:r>
-          </a:p>
-          <a:p>
-            <a:r>
-              <a:rPr lang="fr-CA" dirty="0" smtClean="0"/>
-              <a:t>Dossier Fonts : Contient les polices d’écritures de l’interface du jeu,</a:t>
-            </a:r>
-          </a:p>
-          <a:p>
-            <a:r>
-              <a:rPr lang="fr-CA" dirty="0" smtClean="0"/>
-              <a:t>Dossier Image : Contient le fond d’écran du menu principale.</a:t>
-            </a:r>
-          </a:p>
-          <a:p>
-            <a:r>
-              <a:rPr lang="fr-CA" dirty="0" smtClean="0"/>
-              <a:t>Dossier Scènes : Contient toute les scènes et les scènes de test de chaque membre de l’équipe.</a:t>
-            </a:r>
-          </a:p>
-          <a:p>
-            <a:r>
-              <a:rPr lang="fr-CA" dirty="0" smtClean="0"/>
-              <a:t>Dossier Scripts : Contient tous les scripts du nécessaire au fonctionnement du jeu.</a:t>
-            </a:r>
-          </a:p>
-          <a:p>
-            <a:r>
-              <a:rPr lang="fr-CA" dirty="0" smtClean="0"/>
-              <a:t>Dossier Sprite : </a:t>
-            </a:r>
           </a:p>
         </p:txBody>
       </p:sp>
     </p:spTree>
     <p:extLst>
       <p:ext uri="{BB962C8B-B14F-4D97-AF65-F5344CB8AC3E}">
-        <p14:creationId xmlns:p14="http://schemas.microsoft.com/office/powerpoint/2010/main" val="2221145844"/>
+        <p14:creationId xmlns:p14="http://schemas.microsoft.com/office/powerpoint/2010/main" val="2361345530"/>
       </p:ext>
     </p:extLst>
   </p:cSld>
@@ -6632,6 +6378,296 @@
         </p:nvSpPr>
         <p:spPr>
           <a:xfrm>
+            <a:off x="3374967" y="623057"/>
+            <a:ext cx="5442065" cy="1293028"/>
+          </a:xfrm>
+        </p:spPr>
+        <p:txBody>
+          <a:bodyPr/>
+          <a:lstStyle/>
+          <a:p>
+            <a:pPr algn="l"/>
+            <a:r>
+              <a:rPr lang="fr-CA" dirty="0" smtClean="0"/>
+              <a:t>Ressources du jeu</a:t>
+            </a:r>
+            <a:endParaRPr lang="fr-CA" dirty="0"/>
+          </a:p>
+        </p:txBody>
+      </p:sp>
+      <p:sp>
+        <p:nvSpPr>
+          <p:cNvPr id="3" name="Espace réservé du contenu 2"/>
+          <p:cNvSpPr>
+            <a:spLocks noGrp="1"/>
+          </p:cNvSpPr>
+          <p:nvPr>
+            <p:ph idx="1"/>
+          </p:nvPr>
+        </p:nvSpPr>
+        <p:spPr/>
+        <p:txBody>
+          <a:bodyPr/>
+          <a:lstStyle/>
+          <a:p>
+            <a:r>
+              <a:rPr lang="fr-CA" dirty="0" smtClean="0"/>
+              <a:t>Barre de vie : </a:t>
+            </a:r>
+            <a:r>
+              <a:rPr lang="en-US" cap="all" dirty="0">
+                <a:hlinkClick r:id="rId2"/>
+              </a:rPr>
+              <a:t>TANK &amp; HEALER </a:t>
+            </a:r>
+            <a:r>
+              <a:rPr lang="en-US" cap="all" dirty="0" smtClean="0">
+                <a:hlinkClick r:id="rId2"/>
+              </a:rPr>
+              <a:t>STUDIO</a:t>
+            </a:r>
+            <a:r>
+              <a:rPr lang="en-US" cap="all" dirty="0" smtClean="0"/>
+              <a:t> </a:t>
+            </a:r>
+            <a:r>
+              <a:rPr lang="en-US" dirty="0" smtClean="0"/>
+              <a:t>Simple </a:t>
+            </a:r>
+            <a:r>
+              <a:rPr lang="en-US" dirty="0"/>
+              <a:t>Health Bar FREE</a:t>
+            </a:r>
+          </a:p>
+          <a:p>
+            <a:r>
+              <a:rPr lang="fr-CA" dirty="0" smtClean="0"/>
+              <a:t>HUD : Police : </a:t>
+            </a:r>
+            <a:r>
+              <a:rPr lang="fr-CA" dirty="0"/>
+              <a:t>Crimes of </a:t>
+            </a:r>
+            <a:r>
+              <a:rPr lang="fr-CA" dirty="0" smtClean="0"/>
+              <a:t>Grindelwald, </a:t>
+            </a:r>
+            <a:r>
+              <a:rPr lang="en-US" dirty="0"/>
+              <a:t>The Wild Breath of </a:t>
+            </a:r>
+            <a:r>
+              <a:rPr lang="en-US" dirty="0" smtClean="0"/>
+              <a:t>Zelda.</a:t>
+            </a:r>
+          </a:p>
+          <a:p>
+            <a:r>
+              <a:rPr lang="en-US" dirty="0" smtClean="0"/>
+              <a:t>Image des </a:t>
+            </a:r>
+            <a:r>
+              <a:rPr lang="fr-CA" dirty="0" smtClean="0"/>
+              <a:t>objets</a:t>
+            </a:r>
+            <a:r>
+              <a:rPr lang="en-US" dirty="0" smtClean="0"/>
+              <a:t> et personage : </a:t>
+            </a:r>
+            <a:r>
+              <a:rPr lang="en-US" dirty="0">
+                <a:hlinkClick r:id="rId3"/>
+              </a:rPr>
+              <a:t>https://www.spriters-resource.com</a:t>
+            </a:r>
+            <a:r>
+              <a:rPr lang="en-US" dirty="0" smtClean="0">
+                <a:hlinkClick r:id="rId3"/>
+              </a:rPr>
+              <a:t>/</a:t>
+            </a:r>
+            <a:endParaRPr lang="en-US" dirty="0" smtClean="0"/>
+          </a:p>
+          <a:p>
+            <a:r>
+              <a:rPr lang="en-US" dirty="0"/>
+              <a:t>Audio : </a:t>
+            </a:r>
+            <a:r>
+              <a:rPr lang="en-US" dirty="0">
+                <a:hlinkClick r:id="rId4"/>
+              </a:rPr>
+              <a:t>https://www.sounds-resource.com</a:t>
+            </a:r>
+            <a:r>
+              <a:rPr lang="en-US" dirty="0" smtClean="0">
+                <a:hlinkClick r:id="rId4"/>
+              </a:rPr>
+              <a:t>/</a:t>
+            </a:r>
+            <a:r>
+              <a:rPr lang="en-US" dirty="0" smtClean="0"/>
+              <a:t>, Game </a:t>
+            </a:r>
+            <a:r>
+              <a:rPr lang="en-US" dirty="0"/>
+              <a:t>of Thrones - Main Titles - </a:t>
+            </a:r>
+            <a:r>
+              <a:rPr lang="en-US" dirty="0" err="1"/>
+              <a:t>Ramin</a:t>
+            </a:r>
+            <a:r>
+              <a:rPr lang="en-US" dirty="0"/>
+              <a:t> </a:t>
+            </a:r>
+            <a:r>
+              <a:rPr lang="en-US" dirty="0" err="1"/>
+              <a:t>Djawadi</a:t>
+            </a:r>
+            <a:r>
+              <a:rPr lang="en-US" dirty="0"/>
+              <a:t> (Season 7 Soundtrack) [official</a:t>
+            </a:r>
+            <a:r>
+              <a:rPr lang="en-US" dirty="0" smtClean="0"/>
+              <a:t>]</a:t>
+            </a:r>
+          </a:p>
+          <a:p>
+            <a:r>
+              <a:rPr lang="fr-CA" dirty="0" smtClean="0"/>
+              <a:t>Toutes</a:t>
+            </a:r>
+            <a:r>
+              <a:rPr lang="en-US" dirty="0" smtClean="0"/>
+              <a:t> les </a:t>
+            </a:r>
+            <a:r>
+              <a:rPr lang="en-US" dirty="0" err="1" smtClean="0"/>
+              <a:t>ressources</a:t>
+            </a:r>
+            <a:r>
+              <a:rPr lang="en-US" dirty="0" smtClean="0"/>
+              <a:t> </a:t>
+            </a:r>
+            <a:r>
+              <a:rPr lang="en-US" dirty="0" err="1" smtClean="0"/>
+              <a:t>ont</a:t>
+            </a:r>
+            <a:r>
+              <a:rPr lang="en-US" dirty="0" smtClean="0"/>
+              <a:t> </a:t>
+            </a:r>
+            <a:r>
+              <a:rPr lang="en-US" dirty="0" err="1" smtClean="0"/>
+              <a:t>été</a:t>
+            </a:r>
+            <a:r>
+              <a:rPr lang="en-US" dirty="0" smtClean="0"/>
+              <a:t> </a:t>
+            </a:r>
+            <a:r>
+              <a:rPr lang="en-US" dirty="0" err="1" smtClean="0"/>
+              <a:t>prises</a:t>
+            </a:r>
+            <a:r>
+              <a:rPr lang="en-US" dirty="0" smtClean="0"/>
+              <a:t> sur internet, </a:t>
+            </a:r>
+            <a:r>
+              <a:rPr lang="fr-CA" dirty="0" smtClean="0"/>
+              <a:t>aucune</a:t>
+            </a:r>
+            <a:r>
+              <a:rPr lang="en-US" dirty="0" smtClean="0"/>
+              <a:t> resources a </a:t>
+            </a:r>
+            <a:r>
+              <a:rPr lang="en-US" dirty="0" err="1" smtClean="0"/>
+              <a:t>été</a:t>
+            </a:r>
+            <a:r>
+              <a:rPr lang="en-US" dirty="0" smtClean="0"/>
+              <a:t> </a:t>
+            </a:r>
+            <a:r>
+              <a:rPr lang="en-US" dirty="0" err="1" smtClean="0"/>
+              <a:t>crée</a:t>
+            </a:r>
+            <a:r>
+              <a:rPr lang="en-US" dirty="0" smtClean="0"/>
+              <a:t> </a:t>
+            </a:r>
+            <a:r>
+              <a:rPr lang="en-US" dirty="0" err="1" smtClean="0"/>
+              <a:t>manuellement</a:t>
+            </a:r>
+            <a:r>
+              <a:rPr lang="en-US" dirty="0" smtClean="0"/>
+              <a:t>.</a:t>
+            </a:r>
+          </a:p>
+          <a:p>
+            <a:endParaRPr lang="en-US" dirty="0" smtClean="0"/>
+          </a:p>
+          <a:p>
+            <a:endParaRPr lang="en-US" dirty="0" smtClean="0"/>
+          </a:p>
+          <a:p>
+            <a:endParaRPr lang="fr-CA" dirty="0"/>
+          </a:p>
+        </p:txBody>
+      </p:sp>
+    </p:spTree>
+    <p:extLst>
+      <p:ext uri="{BB962C8B-B14F-4D97-AF65-F5344CB8AC3E}">
+        <p14:creationId xmlns:p14="http://schemas.microsoft.com/office/powerpoint/2010/main" val="2150321151"/>
+      </p:ext>
+    </p:extLst>
+  </p:cSld>
+  <p:clrMapOvr>
+    <a:masterClrMapping/>
+  </p:clrMapOvr>
+  <p:timing>
+    <p:tnLst>
+      <p:par>
+        <p:cTn id="1" dur="indefinite" restart="never" nodeType="tmRoot"/>
+      </p:par>
+    </p:tnLst>
+  </p:timing>
+</p:sld>
+</file>
+
+<file path=ppt/slides/slide15.xml><?xml version="1.0" encoding="utf-8"?>
+<p:sld xmlns:a="http://schemas.openxmlformats.org/drawingml/2006/main" xmlns:r="http://schemas.openxmlformats.org/officeDocument/2006/relationships" xmlns:p="http://schemas.openxmlformats.org/presentationml/2006/main">
+  <p:cSld>
+    <p:spTree>
+      <p:nvGrpSpPr>
+        <p:cNvPr id="1" name=""/>
+        <p:cNvGrpSpPr/>
+        <p:nvPr/>
+      </p:nvGrpSpPr>
+      <p:grpSpPr>
+        <a:xfrm>
+          <a:off x="0" y="0"/>
+          <a:ext cx="0" cy="0"/>
+          <a:chOff x="0" y="0"/>
+          <a:chExt cx="0" cy="0"/>
+        </a:xfrm>
+      </p:grpSpPr>
+      <p:sp>
+        <p:nvSpPr>
+          <p:cNvPr id="2" name="Titre 1"/>
+          <p:cNvSpPr>
+            <a:spLocks noGrp="1"/>
+          </p:cNvSpPr>
+          <p:nvPr>
+            <p:ph type="title"/>
+          </p:nvPr>
+        </p:nvSpPr>
+        <p:spPr>
+          <a:xfrm>
             <a:off x="1790700" y="731122"/>
             <a:ext cx="8610600" cy="1293028"/>
           </a:xfrm>
@@ -6642,6 +6678,162 @@
           <a:p>
             <a:pPr algn="ctr"/>
             <a:r>
+              <a:rPr lang="fr-CA" dirty="0" err="1" smtClean="0"/>
+              <a:t>Assets</a:t>
+            </a:r>
+            <a:endParaRPr lang="fr-CA" dirty="0"/>
+          </a:p>
+        </p:txBody>
+      </p:sp>
+      <p:sp>
+        <p:nvSpPr>
+          <p:cNvPr id="3" name="Espace réservé du contenu 2"/>
+          <p:cNvSpPr>
+            <a:spLocks noGrp="1"/>
+          </p:cNvSpPr>
+          <p:nvPr>
+            <p:ph idx="1"/>
+          </p:nvPr>
+        </p:nvSpPr>
+        <p:spPr/>
+        <p:txBody>
+          <a:bodyPr/>
+          <a:lstStyle/>
+          <a:p>
+            <a:r>
+              <a:rPr lang="fr-CA" dirty="0" smtClean="0"/>
+              <a:t>Dossier Armes : </a:t>
+            </a:r>
+            <a:r>
+              <a:rPr lang="fr-CA" dirty="0" err="1" smtClean="0"/>
+              <a:t>Sprites</a:t>
+            </a:r>
+            <a:r>
+              <a:rPr lang="fr-CA" dirty="0" smtClean="0"/>
+              <a:t> des effets des armes.</a:t>
+            </a:r>
+          </a:p>
+          <a:p>
+            <a:r>
+              <a:rPr lang="fr-CA" dirty="0" smtClean="0"/>
+              <a:t>Dossier </a:t>
+            </a:r>
+            <a:r>
+              <a:rPr lang="fr-CA" dirty="0" err="1" smtClean="0"/>
+              <a:t>Health</a:t>
+            </a:r>
+            <a:r>
+              <a:rPr lang="fr-CA" dirty="0" smtClean="0"/>
+              <a:t> bar : Contient la barre de vie et le script des </a:t>
+            </a:r>
+            <a:r>
+              <a:rPr lang="fr-CA" dirty="0" err="1" smtClean="0"/>
+              <a:t>asset</a:t>
+            </a:r>
+            <a:r>
+              <a:rPr lang="fr-CA" dirty="0" smtClean="0"/>
+              <a:t> téléchargé sur la boutique de </a:t>
+            </a:r>
+            <a:r>
+              <a:rPr lang="fr-CA" dirty="0" err="1" smtClean="0"/>
+              <a:t>unity</a:t>
+            </a:r>
+            <a:r>
+              <a:rPr lang="fr-CA" dirty="0" smtClean="0"/>
+              <a:t>,</a:t>
+            </a:r>
+          </a:p>
+          <a:p>
+            <a:r>
+              <a:rPr lang="fr-CA" dirty="0" smtClean="0"/>
+              <a:t>Dossier Fonts : Contient les polices d’écritures de l’interface du jeu,</a:t>
+            </a:r>
+          </a:p>
+          <a:p>
+            <a:r>
+              <a:rPr lang="fr-CA" dirty="0" smtClean="0"/>
+              <a:t>Dossier Image : Contient le fond d’écran du menu principale.</a:t>
+            </a:r>
+          </a:p>
+          <a:p>
+            <a:r>
+              <a:rPr lang="fr-CA" dirty="0" smtClean="0"/>
+              <a:t>Dossier Scènes : Contient toute les scènes et les scènes de test de chaque membre de l’équipe.</a:t>
+            </a:r>
+          </a:p>
+          <a:p>
+            <a:r>
+              <a:rPr lang="fr-CA" dirty="0" smtClean="0"/>
+              <a:t>Dossier Scripts : Contient tous les scripts du nécessaire au fonctionnement du jeu.</a:t>
+            </a:r>
+          </a:p>
+          <a:p>
+            <a:r>
+              <a:rPr lang="fr-CA" dirty="0" smtClean="0"/>
+              <a:t>Dossier Sprite : </a:t>
+            </a:r>
+          </a:p>
+        </p:txBody>
+      </p:sp>
+    </p:spTree>
+    <p:extLst>
+      <p:ext uri="{BB962C8B-B14F-4D97-AF65-F5344CB8AC3E}">
+        <p14:creationId xmlns:p14="http://schemas.microsoft.com/office/powerpoint/2010/main" val="2221145844"/>
+      </p:ext>
+    </p:extLst>
+  </p:cSld>
+  <p:clrMapOvr>
+    <a:masterClrMapping/>
+  </p:clrMapOvr>
+  <p:timing>
+    <p:tnLst>
+      <p:par>
+        <p:cTn id="1" dur="indefinite" restart="never" nodeType="tmRoot"/>
+      </p:par>
+    </p:tnLst>
+  </p:timing>
+</p:sld>
+</file>
+
+<file path=ppt/slides/slide16.xml><?xml version="1.0" encoding="utf-8"?>
+<p:sld xmlns:a="http://schemas.openxmlformats.org/drawingml/2006/main" xmlns:r="http://schemas.openxmlformats.org/officeDocument/2006/relationships" xmlns:p="http://schemas.openxmlformats.org/presentationml/2006/main">
+  <p:cSld>
+    <p:spTree>
+      <p:nvGrpSpPr>
+        <p:cNvPr id="1" name=""/>
+        <p:cNvGrpSpPr/>
+        <p:nvPr/>
+      </p:nvGrpSpPr>
+      <p:grpSpPr>
+        <a:xfrm>
+          <a:off x="0" y="0"/>
+          <a:ext cx="0" cy="0"/>
+          <a:chOff x="0" y="0"/>
+          <a:chExt cx="0" cy="0"/>
+        </a:xfrm>
+      </p:grpSpPr>
+      <p:sp>
+        <p:nvSpPr>
+          <p:cNvPr id="2" name="Titre 1"/>
+          <p:cNvSpPr>
+            <a:spLocks noGrp="1"/>
+          </p:cNvSpPr>
+          <p:nvPr>
+            <p:ph type="title"/>
+          </p:nvPr>
+        </p:nvSpPr>
+        <p:spPr>
+          <a:xfrm>
+            <a:off x="1790700" y="731122"/>
+            <a:ext cx="8610600" cy="1293028"/>
+          </a:xfrm>
+        </p:spPr>
+        <p:txBody>
+          <a:bodyPr/>
+          <a:lstStyle/>
+          <a:p>
+            <a:pPr algn="ctr"/>
+            <a:r>
               <a:rPr lang="fr-CA" dirty="0" smtClean="0"/>
               <a:t>Code</a:t>
             </a:r>
@@ -6686,6 +6878,15 @@
               <a:rPr lang="fr-CA" dirty="0" smtClean="0"/>
               <a:t>arco : </a:t>
             </a:r>
+            <a:r>
+              <a:rPr lang="fr-CA" dirty="0" err="1" smtClean="0"/>
+              <a:t>Fire</a:t>
+            </a:r>
+            <a:r>
+              <a:rPr lang="fr-CA" dirty="0" smtClean="0"/>
+              <a:t> Gun : Permet de tirer un projectile, donc cela fait partie de la base du jeu.</a:t>
+            </a:r>
+            <a:endParaRPr lang="fr-CA" dirty="0" smtClean="0"/>
           </a:p>
           <a:p>
             <a:r>
@@ -6702,11 +6903,7 @@
             </a:r>
             <a:r>
               <a:rPr lang="fr-CA" dirty="0" smtClean="0"/>
-              <a:t>: Gère les sons utilisés dans le jeux de </a:t>
-            </a:r>
-            <a:r>
-              <a:rPr lang="fr-CA" smtClean="0"/>
-              <a:t>manière aléatoire.</a:t>
+              <a:t>: Gère les sons utilisés dans le jeux de manière aléatoire.</a:t>
             </a:r>
             <a:endParaRPr lang="fr-CA" dirty="0" smtClean="0"/>
           </a:p>
@@ -6716,6 +6913,107 @@
     <p:extLst>
       <p:ext uri="{BB962C8B-B14F-4D97-AF65-F5344CB8AC3E}">
         <p14:creationId xmlns:p14="http://schemas.microsoft.com/office/powerpoint/2010/main" val="1801332864"/>
+      </p:ext>
+    </p:extLst>
+  </p:cSld>
+  <p:clrMapOvr>
+    <a:masterClrMapping/>
+  </p:clrMapOvr>
+  <p:timing>
+    <p:tnLst>
+      <p:par>
+        <p:cTn id="1" dur="indefinite" restart="never" nodeType="tmRoot"/>
+      </p:par>
+    </p:tnLst>
+  </p:timing>
+</p:sld>
+</file>
+
+<file path=ppt/slides/slide17.xml><?xml version="1.0" encoding="utf-8"?>
+<p:sld xmlns:a="http://schemas.openxmlformats.org/drawingml/2006/main" xmlns:r="http://schemas.openxmlformats.org/officeDocument/2006/relationships" xmlns:p="http://schemas.openxmlformats.org/presentationml/2006/main">
+  <p:cSld>
+    <p:spTree>
+      <p:nvGrpSpPr>
+        <p:cNvPr id="1" name=""/>
+        <p:cNvGrpSpPr/>
+        <p:nvPr/>
+      </p:nvGrpSpPr>
+      <p:grpSpPr>
+        <a:xfrm>
+          <a:off x="0" y="0"/>
+          <a:ext cx="0" cy="0"/>
+          <a:chOff x="0" y="0"/>
+          <a:chExt cx="0" cy="0"/>
+        </a:xfrm>
+      </p:grpSpPr>
+      <p:sp>
+        <p:nvSpPr>
+          <p:cNvPr id="2" name="Titre 1"/>
+          <p:cNvSpPr>
+            <a:spLocks noGrp="1"/>
+          </p:cNvSpPr>
+          <p:nvPr>
+            <p:ph type="title"/>
+          </p:nvPr>
+        </p:nvSpPr>
+        <p:spPr>
+          <a:xfrm>
+            <a:off x="1790700" y="731122"/>
+            <a:ext cx="8610600" cy="1293028"/>
+          </a:xfrm>
+        </p:spPr>
+        <p:txBody>
+          <a:bodyPr/>
+          <a:lstStyle/>
+          <a:p>
+            <a:pPr algn="ctr"/>
+            <a:r>
+              <a:rPr lang="fr-CA" dirty="0" err="1" smtClean="0"/>
+              <a:t>CONClusion</a:t>
+            </a:r>
+            <a:endParaRPr lang="fr-CA" dirty="0"/>
+          </a:p>
+        </p:txBody>
+      </p:sp>
+      <p:sp>
+        <p:nvSpPr>
+          <p:cNvPr id="3" name="Espace réservé du contenu 2"/>
+          <p:cNvSpPr>
+            <a:spLocks noGrp="1"/>
+          </p:cNvSpPr>
+          <p:nvPr>
+            <p:ph idx="1"/>
+          </p:nvPr>
+        </p:nvSpPr>
+        <p:spPr/>
+        <p:txBody>
+          <a:bodyPr/>
+          <a:lstStyle/>
+          <a:p>
+            <a:r>
+              <a:rPr lang="fr-CA" dirty="0" smtClean="0"/>
+              <a:t>Attentes du cours : </a:t>
+            </a:r>
+          </a:p>
+          <a:p>
+            <a:r>
+              <a:rPr lang="fr-CA" dirty="0" smtClean="0"/>
+              <a:t>Rencontre de l’attente : </a:t>
+            </a:r>
+          </a:p>
+          <a:p>
+            <a:r>
+              <a:rPr lang="fr-CA" dirty="0" smtClean="0"/>
+              <a:t>Jeu à temps perdu : </a:t>
+            </a:r>
+            <a:endParaRPr lang="fr-CA" dirty="0" smtClean="0"/>
+          </a:p>
+        </p:txBody>
+      </p:sp>
+    </p:spTree>
+    <p:extLst>
+      <p:ext uri="{BB962C8B-B14F-4D97-AF65-F5344CB8AC3E}">
+        <p14:creationId xmlns:p14="http://schemas.microsoft.com/office/powerpoint/2010/main" val="3775388767"/>
       </p:ext>
     </p:extLst>
   </p:cSld>
@@ -7286,71 +7584,6 @@
             <a:r>
               <a:rPr lang="fr-CA" dirty="0" smtClean="0"/>
               <a:t>Sprint 2 : Etienne : </a:t>
-            </a:r>
-          </a:p>
-          <a:p>
-            <a:r>
-              <a:rPr lang="fr-CA" dirty="0" smtClean="0"/>
-              <a:t>Le but premier du jeu est de devoir tirer.</a:t>
-            </a:r>
-          </a:p>
-          <a:p>
-            <a:pPr marL="0" indent="0">
-              <a:buNone/>
-            </a:pPr>
-            <a:r>
-              <a:rPr lang="fr-CA" dirty="0"/>
-              <a:t>	</a:t>
-            </a:r>
-            <a:r>
-              <a:rPr lang="fr-CA" dirty="0" smtClean="0"/>
-              <a:t>Donc, pour se </a:t>
-            </a:r>
-            <a:r>
-              <a:rPr lang="fr-CA" dirty="0" err="1" smtClean="0"/>
-              <a:t>bassé</a:t>
-            </a:r>
-            <a:r>
-              <a:rPr lang="fr-CA" dirty="0" smtClean="0"/>
-              <a:t> sur </a:t>
-            </a:r>
-            <a:r>
-              <a:rPr lang="fr-CA" dirty="0" err="1" smtClean="0"/>
-              <a:t>worm</a:t>
-            </a:r>
-            <a:r>
-              <a:rPr lang="fr-CA" dirty="0" smtClean="0"/>
-              <a:t> et sur </a:t>
-            </a:r>
-            <a:r>
-              <a:rPr lang="fr-CA" dirty="0" err="1"/>
-              <a:t>ShellShock</a:t>
-            </a:r>
-            <a:r>
-              <a:rPr lang="fr-CA" dirty="0"/>
-              <a:t> </a:t>
-            </a:r>
-            <a:r>
-              <a:rPr lang="fr-CA" dirty="0" smtClean="0"/>
-              <a:t>Live il fallait un système 	de tire.</a:t>
-            </a:r>
-          </a:p>
-          <a:p>
-            <a:r>
-              <a:rPr lang="fr-CA" dirty="0" smtClean="0"/>
-              <a:t>J’ai créer un système de tire où qu’il y a un cercle avec une flèche pour aider le joueur pour la direction</a:t>
-            </a:r>
-          </a:p>
-          <a:p>
-            <a:r>
-              <a:rPr lang="fr-CA" dirty="0" smtClean="0"/>
-              <a:t>Faire aussi la force selon la grosseur de la flèche et la flèche devait suivre la souris.</a:t>
-            </a:r>
-          </a:p>
-          <a:p>
-            <a:r>
-              <a:rPr lang="fr-CA" dirty="0" smtClean="0"/>
-              <a:t>Créer un projectile.</a:t>
             </a:r>
           </a:p>
         </p:txBody>

--- a/Elemantal Clash PowerPoint.pptx
+++ b/Elemantal Clash PowerPoint.pptx
@@ -6275,14 +6275,22 @@
             <a:pPr lvl="1"/>
             <a:r>
               <a:rPr lang="fr-CA" dirty="0" smtClean="0"/>
-              <a:t>Yohan : Ajout d’objet dans la scène.</a:t>
+              <a:t>Yohan : </a:t>
+            </a:r>
+            <a:r>
+              <a:rPr lang="fr-CA" dirty="0" err="1" smtClean="0"/>
+              <a:t>Spawn</a:t>
+            </a:r>
+            <a:r>
+              <a:rPr lang="fr-CA" dirty="0" smtClean="0"/>
+              <a:t> de potion dans la scène.</a:t>
             </a:r>
           </a:p>
           <a:p>
             <a:pPr lvl="1"/>
             <a:r>
               <a:rPr lang="fr-CA" dirty="0" smtClean="0"/>
-              <a:t>Marco : </a:t>
+              <a:t>Marco : Baisser barre de Vie et Mana.</a:t>
             </a:r>
           </a:p>
           <a:p>
